--- a/week_03/day_04/Presentation1.pptx
+++ b/week_03/day_04/Presentation1.pptx
@@ -112,6 +112,11 @@
       </a:defRPr>
     </a:lvl9pPr>
   </p:defaultTextStyle>
+  <p:extLst>
+    <p:ext uri="{EFAFB233-063F-42B5-8137-9DF3F51BA10A}">
+      <p15:sldGuideLst xmlns:p15="http://schemas.microsoft.com/office/powerpoint/2012/main"/>
+    </p:ext>
+  </p:extLst>
 </p:presentation>
 </file>
 
@@ -197,7 +202,7 @@
           <a:p>
             <a:fld id="{C9EB841D-E23D-4A26-B449-1B8B53B0D0CA}" type="datetimeFigureOut">
               <a:rPr lang="en-GB" smtClean="0"/>
-              <a:t>16/12/2021</a:t>
+              <a:t>17/12/2021</a:t>
             </a:fld>
             <a:endParaRPr lang="en-GB"/>
           </a:p>
@@ -593,12 +598,6 @@
           <a:bodyPr/>
           <a:lstStyle/>
           <a:p>
-            <a:r>
-              <a:rPr lang="en-GB" dirty="0"/>
-              <a:t>Artificial intelligence is a branch of computer science that has the ability to simulate and learn from the dataset to mimic simple intelligent behaviour.</a:t>
-            </a:r>
-          </a:p>
-          <a:p>
             <a:pPr marL="0" marR="0" lvl="0" indent="0" algn="l" defTabSz="914400" rtl="0" eaLnBrk="1" fontAlgn="auto" latinLnBrk="0" hangingPunct="1">
               <a:lnSpc>
                 <a:spcPct val="100000"/>
@@ -622,26 +621,15 @@
             </a:r>
           </a:p>
           <a:p>
-            <a:pPr marL="0" marR="0" lvl="0" indent="0" algn="l" defTabSz="914400" rtl="0" eaLnBrk="1" fontAlgn="auto" latinLnBrk="0" hangingPunct="1">
-              <a:lnSpc>
-                <a:spcPct val="100000"/>
-              </a:lnSpc>
-              <a:spcBef>
-                <a:spcPts val="0"/>
-              </a:spcBef>
-              <a:spcAft>
-                <a:spcPts val="0"/>
-              </a:spcAft>
-              <a:buClrTx/>
-              <a:buSzTx/>
-              <a:buFontTx/>
-              <a:buNone/>
-              <a:tabLst/>
-              <a:defRPr/>
-            </a:pPr>
             <a:r>
               <a:rPr lang="en-GB" dirty="0"/>
-              <a:t>With this favourable technologies also induced catastrophic accidents. Some of the accidents could be easily prevented it is being handled by human, and </a:t>
+              <a:t>It is a branch of computer science that has the ability to simulate and learn from the dataset to mimic simple intelligent behaviour.</a:t>
+            </a:r>
+          </a:p>
+          <a:p>
+            <a:r>
+              <a:rPr lang="en-GB" dirty="0"/>
+              <a:t>The favourable technologies also arises new problems. Some of the accidents could be easily prevented it is being handled by human, and </a:t>
             </a:r>
           </a:p>
           <a:p>
@@ -1234,7 +1222,7 @@
           <a:p>
             <a:fld id="{79E76836-42A2-4145-BD46-32F10F693BF9}" type="datetimeFigureOut">
               <a:rPr lang="en-GB" smtClean="0"/>
-              <a:t>16/12/2021</a:t>
+              <a:t>17/12/2021</a:t>
             </a:fld>
             <a:endParaRPr lang="en-GB"/>
           </a:p>
@@ -1532,7 +1520,7 @@
           <a:p>
             <a:fld id="{79E76836-42A2-4145-BD46-32F10F693BF9}" type="datetimeFigureOut">
               <a:rPr lang="en-GB" smtClean="0"/>
-              <a:t>16/12/2021</a:t>
+              <a:t>17/12/2021</a:t>
             </a:fld>
             <a:endParaRPr lang="en-GB"/>
           </a:p>
@@ -1724,7 +1712,7 @@
           <a:p>
             <a:fld id="{79E76836-42A2-4145-BD46-32F10F693BF9}" type="datetimeFigureOut">
               <a:rPr lang="en-GB" smtClean="0"/>
-              <a:t>16/12/2021</a:t>
+              <a:t>17/12/2021</a:t>
             </a:fld>
             <a:endParaRPr lang="en-GB"/>
           </a:p>
@@ -1985,7 +1973,7 @@
           <a:p>
             <a:fld id="{79E76836-42A2-4145-BD46-32F10F693BF9}" type="datetimeFigureOut">
               <a:rPr lang="en-GB" smtClean="0"/>
-              <a:t>16/12/2021</a:t>
+              <a:t>17/12/2021</a:t>
             </a:fld>
             <a:endParaRPr lang="en-GB"/>
           </a:p>
@@ -2409,7 +2397,7 @@
           <a:p>
             <a:fld id="{79E76836-42A2-4145-BD46-32F10F693BF9}" type="datetimeFigureOut">
               <a:rPr lang="en-GB" smtClean="0"/>
-              <a:t>16/12/2021</a:t>
+              <a:t>17/12/2021</a:t>
             </a:fld>
             <a:endParaRPr lang="en-GB"/>
           </a:p>
@@ -2946,7 +2934,7 @@
           <a:p>
             <a:fld id="{79E76836-42A2-4145-BD46-32F10F693BF9}" type="datetimeFigureOut">
               <a:rPr lang="en-GB" smtClean="0"/>
-              <a:t>16/12/2021</a:t>
+              <a:t>17/12/2021</a:t>
             </a:fld>
             <a:endParaRPr lang="en-GB"/>
           </a:p>
@@ -3810,7 +3798,7 @@
           <a:p>
             <a:fld id="{79E76836-42A2-4145-BD46-32F10F693BF9}" type="datetimeFigureOut">
               <a:rPr lang="en-GB" smtClean="0"/>
-              <a:t>16/12/2021</a:t>
+              <a:t>17/12/2021</a:t>
             </a:fld>
             <a:endParaRPr lang="en-GB"/>
           </a:p>
@@ -3980,7 +3968,7 @@
           <a:p>
             <a:fld id="{79E76836-42A2-4145-BD46-32F10F693BF9}" type="datetimeFigureOut">
               <a:rPr lang="en-GB" smtClean="0"/>
-              <a:t>16/12/2021</a:t>
+              <a:t>17/12/2021</a:t>
             </a:fld>
             <a:endParaRPr lang="en-GB"/>
           </a:p>
@@ -4164,7 +4152,7 @@
           <a:p>
             <a:fld id="{79E76836-42A2-4145-BD46-32F10F693BF9}" type="datetimeFigureOut">
               <a:rPr lang="en-GB" smtClean="0"/>
-              <a:t>16/12/2021</a:t>
+              <a:t>17/12/2021</a:t>
             </a:fld>
             <a:endParaRPr lang="en-GB"/>
           </a:p>
@@ -4334,7 +4322,7 @@
           <a:p>
             <a:fld id="{79E76836-42A2-4145-BD46-32F10F693BF9}" type="datetimeFigureOut">
               <a:rPr lang="en-GB" smtClean="0"/>
-              <a:t>16/12/2021</a:t>
+              <a:t>17/12/2021</a:t>
             </a:fld>
             <a:endParaRPr lang="en-GB"/>
           </a:p>
@@ -4578,7 +4566,7 @@
           <a:p>
             <a:fld id="{79E76836-42A2-4145-BD46-32F10F693BF9}" type="datetimeFigureOut">
               <a:rPr lang="en-GB" smtClean="0"/>
-              <a:t>16/12/2021</a:t>
+              <a:t>17/12/2021</a:t>
             </a:fld>
             <a:endParaRPr lang="en-GB"/>
           </a:p>
@@ -4814,7 +4802,7 @@
           <a:p>
             <a:fld id="{79E76836-42A2-4145-BD46-32F10F693BF9}" type="datetimeFigureOut">
               <a:rPr lang="en-GB" smtClean="0"/>
-              <a:t>16/12/2021</a:t>
+              <a:t>17/12/2021</a:t>
             </a:fld>
             <a:endParaRPr lang="en-GB"/>
           </a:p>
@@ -5280,7 +5268,7 @@
           <a:p>
             <a:fld id="{79E76836-42A2-4145-BD46-32F10F693BF9}" type="datetimeFigureOut">
               <a:rPr lang="en-GB" smtClean="0"/>
-              <a:t>16/12/2021</a:t>
+              <a:t>17/12/2021</a:t>
             </a:fld>
             <a:endParaRPr lang="en-GB"/>
           </a:p>
@@ -5398,7 +5386,7 @@
           <a:p>
             <a:fld id="{79E76836-42A2-4145-BD46-32F10F693BF9}" type="datetimeFigureOut">
               <a:rPr lang="en-GB" smtClean="0"/>
-              <a:t>16/12/2021</a:t>
+              <a:t>17/12/2021</a:t>
             </a:fld>
             <a:endParaRPr lang="en-GB"/>
           </a:p>
@@ -5493,7 +5481,7 @@
           <a:p>
             <a:fld id="{79E76836-42A2-4145-BD46-32F10F693BF9}" type="datetimeFigureOut">
               <a:rPr lang="en-GB" smtClean="0"/>
-              <a:t>16/12/2021</a:t>
+              <a:t>17/12/2021</a:t>
             </a:fld>
             <a:endParaRPr lang="en-GB"/>
           </a:p>
@@ -5748,7 +5736,7 @@
           <a:p>
             <a:fld id="{79E76836-42A2-4145-BD46-32F10F693BF9}" type="datetimeFigureOut">
               <a:rPr lang="en-GB" smtClean="0"/>
-              <a:t>16/12/2021</a:t>
+              <a:t>17/12/2021</a:t>
             </a:fld>
             <a:endParaRPr lang="en-GB"/>
           </a:p>
@@ -6048,7 +6036,7 @@
           <a:p>
             <a:fld id="{79E76836-42A2-4145-BD46-32F10F693BF9}" type="datetimeFigureOut">
               <a:rPr lang="en-GB" smtClean="0"/>
-              <a:t>16/12/2021</a:t>
+              <a:t>17/12/2021</a:t>
             </a:fld>
             <a:endParaRPr lang="en-GB"/>
           </a:p>
@@ -6282,7 +6270,7 @@
           <a:p>
             <a:fld id="{79E76836-42A2-4145-BD46-32F10F693BF9}" type="datetimeFigureOut">
               <a:rPr lang="en-GB" smtClean="0"/>
-              <a:t>16/12/2021</a:t>
+              <a:t>17/12/2021</a:t>
             </a:fld>
             <a:endParaRPr lang="en-GB"/>
           </a:p>

--- a/week_03/day_04/Presentation1.pptx
+++ b/week_03/day_04/Presentation1.pptx
@@ -5,15 +5,16 @@
     <p:sldMasterId id="2147483828" r:id="rId1"/>
   </p:sldMasterIdLst>
   <p:notesMasterIdLst>
-    <p:notesMasterId r:id="rId8"/>
+    <p:notesMasterId r:id="rId9"/>
   </p:notesMasterIdLst>
   <p:sldIdLst>
     <p:sldId id="256" r:id="rId2"/>
     <p:sldId id="258" r:id="rId3"/>
     <p:sldId id="259" r:id="rId4"/>
     <p:sldId id="261" r:id="rId5"/>
-    <p:sldId id="262" r:id="rId6"/>
-    <p:sldId id="263" r:id="rId7"/>
+    <p:sldId id="263" r:id="rId6"/>
+    <p:sldId id="264" r:id="rId7"/>
+    <p:sldId id="262" r:id="rId8"/>
   </p:sldIdLst>
   <p:sldSz cx="12192000" cy="6858000"/>
   <p:notesSz cx="6858000" cy="9144000"/>
@@ -997,6 +998,23 @@
           <a:bodyPr/>
           <a:lstStyle/>
           <a:p>
+            <a:pPr marL="0" marR="0" lvl="0" indent="0" algn="l" defTabSz="914400" rtl="0" eaLnBrk="1" fontAlgn="auto" latinLnBrk="0" hangingPunct="1">
+              <a:lnSpc>
+                <a:spcPct val="100000"/>
+              </a:lnSpc>
+              <a:spcBef>
+                <a:spcPts val="0"/>
+              </a:spcBef>
+              <a:spcAft>
+                <a:spcPts val="0"/>
+              </a:spcAft>
+              <a:buClrTx/>
+              <a:buSzTx/>
+              <a:buFontTx/>
+              <a:buNone/>
+              <a:tabLst/>
+              <a:defRPr/>
+            </a:pPr>
             <a:endParaRPr lang="en-GB" dirty="0"/>
           </a:p>
         </p:txBody>
@@ -1018,7 +1036,91 @@
           <a:p>
             <a:fld id="{C7646428-00FE-496C-8B23-9C84E734695A}" type="slidenum">
               <a:rPr lang="en-GB" smtClean="0"/>
-              <a:t>5</a:t>
+              <a:t>6</a:t>
+            </a:fld>
+            <a:endParaRPr lang="en-GB"/>
+          </a:p>
+        </p:txBody>
+      </p:sp>
+    </p:spTree>
+    <p:extLst>
+      <p:ext uri="{BB962C8B-B14F-4D97-AF65-F5344CB8AC3E}">
+        <p14:creationId xmlns:p14="http://schemas.microsoft.com/office/powerpoint/2010/main" val="450203720"/>
+      </p:ext>
+    </p:extLst>
+  </p:cSld>
+  <p:clrMapOvr>
+    <a:masterClrMapping/>
+  </p:clrMapOvr>
+</p:notes>
+</file>
+
+<file path=ppt/notesSlides/notesSlide6.xml><?xml version="1.0" encoding="utf-8"?>
+<p:notes xmlns:a="http://schemas.openxmlformats.org/drawingml/2006/main" xmlns:r="http://schemas.openxmlformats.org/officeDocument/2006/relationships" xmlns:p="http://schemas.openxmlformats.org/presentationml/2006/main">
+  <p:cSld>
+    <p:spTree>
+      <p:nvGrpSpPr>
+        <p:cNvPr id="1" name=""/>
+        <p:cNvGrpSpPr/>
+        <p:nvPr/>
+      </p:nvGrpSpPr>
+      <p:grpSpPr>
+        <a:xfrm>
+          <a:off x="0" y="0"/>
+          <a:ext cx="0" cy="0"/>
+          <a:chOff x="0" y="0"/>
+          <a:chExt cx="0" cy="0"/>
+        </a:xfrm>
+      </p:grpSpPr>
+      <p:sp>
+        <p:nvSpPr>
+          <p:cNvPr id="2" name="Slide Image Placeholder 1"/>
+          <p:cNvSpPr>
+            <a:spLocks noGrp="1" noRot="1" noChangeAspect="1"/>
+          </p:cNvSpPr>
+          <p:nvPr>
+            <p:ph type="sldImg"/>
+          </p:nvPr>
+        </p:nvSpPr>
+        <p:spPr/>
+      </p:sp>
+      <p:sp>
+        <p:nvSpPr>
+          <p:cNvPr id="3" name="Notes Placeholder 2"/>
+          <p:cNvSpPr>
+            <a:spLocks noGrp="1"/>
+          </p:cNvSpPr>
+          <p:nvPr>
+            <p:ph type="body" idx="1"/>
+          </p:nvPr>
+        </p:nvSpPr>
+        <p:spPr/>
+        <p:txBody>
+          <a:bodyPr/>
+          <a:lstStyle/>
+          <a:p>
+            <a:endParaRPr lang="en-GB" dirty="0"/>
+          </a:p>
+        </p:txBody>
+      </p:sp>
+      <p:sp>
+        <p:nvSpPr>
+          <p:cNvPr id="4" name="Slide Number Placeholder 3"/>
+          <p:cNvSpPr>
+            <a:spLocks noGrp="1"/>
+          </p:cNvSpPr>
+          <p:nvPr>
+            <p:ph type="sldNum" sz="quarter" idx="5"/>
+          </p:nvPr>
+        </p:nvSpPr>
+        <p:spPr/>
+        <p:txBody>
+          <a:bodyPr/>
+          <a:lstStyle/>
+          <a:p>
+            <a:fld id="{C7646428-00FE-496C-8B23-9C84E734695A}" type="slidenum">
+              <a:rPr lang="en-GB" smtClean="0"/>
+              <a:t>7</a:t>
             </a:fld>
             <a:endParaRPr lang="en-GB"/>
           </a:p>
@@ -7727,75 +7829,6 @@
       </p:grpSpPr>
       <p:sp>
         <p:nvSpPr>
-          <p:cNvPr id="2" name="Title 1">
-            <a:extLst>
-              <a:ext uri="{FF2B5EF4-FFF2-40B4-BE49-F238E27FC236}">
-                <a16:creationId xmlns:a16="http://schemas.microsoft.com/office/drawing/2014/main" id="{E0D159F2-44EA-4C07-AD3A-417FB60D0F78}"/>
-              </a:ext>
-            </a:extLst>
-          </p:cNvPr>
-          <p:cNvSpPr>
-            <a:spLocks noGrp="1"/>
-          </p:cNvSpPr>
-          <p:nvPr>
-            <p:ph type="ctrTitle"/>
-          </p:nvPr>
-        </p:nvSpPr>
-        <p:spPr>
-          <a:xfrm>
-            <a:off x="0" y="3030118"/>
-            <a:ext cx="12191999" cy="797764"/>
-          </a:xfrm>
-        </p:spPr>
-        <p:txBody>
-          <a:bodyPr>
-            <a:normAutofit fontScale="90000"/>
-          </a:bodyPr>
-          <a:lstStyle/>
-          <a:p>
-            <a:r>
-              <a:rPr lang="en-US" sz="4800" b="1" i="0" dirty="0">
-                <a:effectLst/>
-                <a:latin typeface="Helvetica Neue"/>
-              </a:rPr>
-              <a:t>The End</a:t>
-            </a:r>
-            <a:endParaRPr lang="en-GB" sz="3600" b="1" dirty="0"/>
-          </a:p>
-        </p:txBody>
-      </p:sp>
-    </p:spTree>
-    <p:extLst>
-      <p:ext uri="{BB962C8B-B14F-4D97-AF65-F5344CB8AC3E}">
-        <p14:creationId xmlns:p14="http://schemas.microsoft.com/office/powerpoint/2010/main" val="3839024730"/>
-      </p:ext>
-    </p:extLst>
-  </p:cSld>
-  <p:clrMapOvr>
-    <a:masterClrMapping/>
-  </p:clrMapOvr>
-</p:sld>
-</file>
-
-<file path=ppt/slides/slide6.xml><?xml version="1.0" encoding="utf-8"?>
-<p:sld xmlns:a="http://schemas.openxmlformats.org/drawingml/2006/main" xmlns:r="http://schemas.openxmlformats.org/officeDocument/2006/relationships" xmlns:p="http://schemas.openxmlformats.org/presentationml/2006/main">
-  <p:cSld>
-    <p:spTree>
-      <p:nvGrpSpPr>
-        <p:cNvPr id="1" name=""/>
-        <p:cNvGrpSpPr/>
-        <p:nvPr/>
-      </p:nvGrpSpPr>
-      <p:grpSpPr>
-        <a:xfrm>
-          <a:off x="0" y="0"/>
-          <a:ext cx="0" cy="0"/>
-          <a:chOff x="0" y="0"/>
-          <a:chExt cx="0" cy="0"/>
-        </a:xfrm>
-      </p:grpSpPr>
-      <p:sp>
-        <p:nvSpPr>
           <p:cNvPr id="3" name="Content Placeholder 2">
             <a:extLst>
               <a:ext uri="{FF2B5EF4-FFF2-40B4-BE49-F238E27FC236}">
@@ -8002,6 +8035,239 @@
     <p:extLst>
       <p:ext uri="{BB962C8B-B14F-4D97-AF65-F5344CB8AC3E}">
         <p14:creationId xmlns:p14="http://schemas.microsoft.com/office/powerpoint/2010/main" val="62314766"/>
+      </p:ext>
+    </p:extLst>
+  </p:cSld>
+  <p:clrMapOvr>
+    <a:masterClrMapping/>
+  </p:clrMapOvr>
+</p:sld>
+</file>
+
+<file path=ppt/slides/slide6.xml><?xml version="1.0" encoding="utf-8"?>
+<p:sld xmlns:a="http://schemas.openxmlformats.org/drawingml/2006/main" xmlns:r="http://schemas.openxmlformats.org/officeDocument/2006/relationships" xmlns:p="http://schemas.openxmlformats.org/presentationml/2006/main">
+  <p:cSld>
+    <p:spTree>
+      <p:nvGrpSpPr>
+        <p:cNvPr id="1" name=""/>
+        <p:cNvGrpSpPr/>
+        <p:nvPr/>
+      </p:nvGrpSpPr>
+      <p:grpSpPr>
+        <a:xfrm>
+          <a:off x="0" y="0"/>
+          <a:ext cx="0" cy="0"/>
+          <a:chOff x="0" y="0"/>
+          <a:chExt cx="0" cy="0"/>
+        </a:xfrm>
+      </p:grpSpPr>
+      <p:sp>
+        <p:nvSpPr>
+          <p:cNvPr id="8" name="Title 1">
+            <a:extLst>
+              <a:ext uri="{FF2B5EF4-FFF2-40B4-BE49-F238E27FC236}">
+                <a16:creationId xmlns:a16="http://schemas.microsoft.com/office/drawing/2014/main" id="{537B37D4-66FC-4C26-A316-29ED8C156BBC}"/>
+              </a:ext>
+            </a:extLst>
+          </p:cNvPr>
+          <p:cNvSpPr txBox="1">
+            <a:spLocks/>
+          </p:cNvSpPr>
+          <p:nvPr/>
+        </p:nvSpPr>
+        <p:spPr>
+          <a:xfrm>
+            <a:off x="1" y="2608118"/>
+            <a:ext cx="12191999" cy="1641764"/>
+          </a:xfrm>
+          <a:prstGeom prst="rect">
+            <a:avLst/>
+          </a:prstGeom>
+          <a:effectLst>
+            <a:outerShdw blurRad="25400" dir="17880000">
+              <a:srgbClr val="000000">
+                <a:alpha val="46000"/>
+              </a:srgbClr>
+            </a:outerShdw>
+          </a:effectLst>
+        </p:spPr>
+        <p:txBody>
+          <a:bodyPr vert="horz" lIns="91440" tIns="45720" rIns="91440" bIns="45720" rtlCol="0" anchor="ctr">
+            <a:normAutofit fontScale="97500"/>
+          </a:bodyPr>
+          <a:lstStyle>
+            <a:lvl1pPr algn="ctr" defTabSz="457200" rtl="0" eaLnBrk="1" latinLnBrk="0" hangingPunct="1">
+              <a:spcBef>
+                <a:spcPct val="0"/>
+              </a:spcBef>
+              <a:buNone/>
+              <a:defRPr sz="4000" kern="1200">
+                <a:ln>
+                  <a:solidFill>
+                    <a:schemeClr val="bg1">
+                      <a:lumMod val="75000"/>
+                      <a:lumOff val="25000"/>
+                      <a:alpha val="10000"/>
+                    </a:schemeClr>
+                  </a:solidFill>
+                </a:ln>
+                <a:solidFill>
+                  <a:schemeClr val="tx2"/>
+                </a:solidFill>
+                <a:effectLst>
+                  <a:outerShdw blurRad="9525" dist="25400" dir="14640000" algn="tl" rotWithShape="0">
+                    <a:schemeClr val="bg1">
+                      <a:alpha val="30000"/>
+                    </a:schemeClr>
+                  </a:outerShdw>
+                </a:effectLst>
+                <a:latin typeface="+mj-lt"/>
+                <a:ea typeface="+mj-ea"/>
+                <a:cs typeface="Trebuchet MS"/>
+              </a:defRPr>
+            </a:lvl1pPr>
+            <a:lvl2pPr eaLnBrk="1" hangingPunct="1">
+              <a:defRPr>
+                <a:solidFill>
+                  <a:schemeClr val="tx2"/>
+                </a:solidFill>
+              </a:defRPr>
+            </a:lvl2pPr>
+            <a:lvl3pPr eaLnBrk="1" hangingPunct="1">
+              <a:defRPr>
+                <a:solidFill>
+                  <a:schemeClr val="tx2"/>
+                </a:solidFill>
+              </a:defRPr>
+            </a:lvl3pPr>
+            <a:lvl4pPr eaLnBrk="1" hangingPunct="1">
+              <a:defRPr>
+                <a:solidFill>
+                  <a:schemeClr val="tx2"/>
+                </a:solidFill>
+              </a:defRPr>
+            </a:lvl4pPr>
+            <a:lvl5pPr eaLnBrk="1" hangingPunct="1">
+              <a:defRPr>
+                <a:solidFill>
+                  <a:schemeClr val="tx2"/>
+                </a:solidFill>
+              </a:defRPr>
+            </a:lvl5pPr>
+            <a:lvl6pPr eaLnBrk="1" hangingPunct="1">
+              <a:defRPr>
+                <a:solidFill>
+                  <a:schemeClr val="tx2"/>
+                </a:solidFill>
+              </a:defRPr>
+            </a:lvl6pPr>
+            <a:lvl7pPr eaLnBrk="1" hangingPunct="1">
+              <a:defRPr>
+                <a:solidFill>
+                  <a:schemeClr val="tx2"/>
+                </a:solidFill>
+              </a:defRPr>
+            </a:lvl7pPr>
+            <a:lvl8pPr eaLnBrk="1" hangingPunct="1">
+              <a:defRPr>
+                <a:solidFill>
+                  <a:schemeClr val="tx2"/>
+                </a:solidFill>
+              </a:defRPr>
+            </a:lvl8pPr>
+            <a:lvl9pPr eaLnBrk="1" hangingPunct="1">
+              <a:defRPr>
+                <a:solidFill>
+                  <a:schemeClr val="tx2"/>
+                </a:solidFill>
+              </a:defRPr>
+            </a:lvl9pPr>
+          </a:lstStyle>
+          <a:p>
+            <a:r>
+              <a:rPr lang="en-GB" sz="4400" b="1" dirty="0">
+                <a:effectLst/>
+                <a:latin typeface="Helvetica Neue"/>
+              </a:rPr>
+              <a:t>Q&amp;A</a:t>
+            </a:r>
+            <a:endParaRPr lang="en-GB" sz="3600" b="1" dirty="0"/>
+          </a:p>
+        </p:txBody>
+      </p:sp>
+    </p:spTree>
+    <p:extLst>
+      <p:ext uri="{BB962C8B-B14F-4D97-AF65-F5344CB8AC3E}">
+        <p14:creationId xmlns:p14="http://schemas.microsoft.com/office/powerpoint/2010/main" val="2091949306"/>
+      </p:ext>
+    </p:extLst>
+  </p:cSld>
+  <p:clrMapOvr>
+    <a:masterClrMapping/>
+  </p:clrMapOvr>
+</p:sld>
+</file>
+
+<file path=ppt/slides/slide7.xml><?xml version="1.0" encoding="utf-8"?>
+<p:sld xmlns:a="http://schemas.openxmlformats.org/drawingml/2006/main" xmlns:r="http://schemas.openxmlformats.org/officeDocument/2006/relationships" xmlns:p="http://schemas.openxmlformats.org/presentationml/2006/main">
+  <p:cSld>
+    <p:spTree>
+      <p:nvGrpSpPr>
+        <p:cNvPr id="1" name=""/>
+        <p:cNvGrpSpPr/>
+        <p:nvPr/>
+      </p:nvGrpSpPr>
+      <p:grpSpPr>
+        <a:xfrm>
+          <a:off x="0" y="0"/>
+          <a:ext cx="0" cy="0"/>
+          <a:chOff x="0" y="0"/>
+          <a:chExt cx="0" cy="0"/>
+        </a:xfrm>
+      </p:grpSpPr>
+      <p:sp>
+        <p:nvSpPr>
+          <p:cNvPr id="2" name="Title 1">
+            <a:extLst>
+              <a:ext uri="{FF2B5EF4-FFF2-40B4-BE49-F238E27FC236}">
+                <a16:creationId xmlns:a16="http://schemas.microsoft.com/office/drawing/2014/main" id="{E0D159F2-44EA-4C07-AD3A-417FB60D0F78}"/>
+              </a:ext>
+            </a:extLst>
+          </p:cNvPr>
+          <p:cNvSpPr>
+            <a:spLocks noGrp="1"/>
+          </p:cNvSpPr>
+          <p:nvPr>
+            <p:ph type="ctrTitle"/>
+          </p:nvPr>
+        </p:nvSpPr>
+        <p:spPr>
+          <a:xfrm>
+            <a:off x="0" y="3030118"/>
+            <a:ext cx="12191999" cy="797764"/>
+          </a:xfrm>
+        </p:spPr>
+        <p:txBody>
+          <a:bodyPr>
+            <a:normAutofit fontScale="90000"/>
+          </a:bodyPr>
+          <a:lstStyle/>
+          <a:p>
+            <a:r>
+              <a:rPr lang="en-US" sz="4800" b="1" i="0" dirty="0">
+                <a:effectLst/>
+                <a:latin typeface="Helvetica Neue"/>
+              </a:rPr>
+              <a:t>The End</a:t>
+            </a:r>
+            <a:endParaRPr lang="en-GB" sz="3600" b="1" dirty="0"/>
+          </a:p>
+        </p:txBody>
+      </p:sp>
+    </p:spTree>
+    <p:extLst>
+      <p:ext uri="{BB962C8B-B14F-4D97-AF65-F5344CB8AC3E}">
+        <p14:creationId xmlns:p14="http://schemas.microsoft.com/office/powerpoint/2010/main" val="3839024730"/>
       </p:ext>
     </p:extLst>
   </p:cSld>
